--- a/présentation-v1.pptx
+++ b/présentation-v1.pptx
@@ -224,7 +224,7 @@
           <a:p>
             <a:fld id="{917DF14B-8BB5-4760-BCF8-3AC3F4EEA669}" type="datetimeFigureOut">
               <a:rPr lang="en-GB" smtClean="0"/>
-              <a:t>14/09/2023</a:t>
+              <a:t>15/09/2023</a:t>
             </a:fld>
             <a:endParaRPr lang="en-GB"/>
           </a:p>
@@ -791,7 +791,7 @@
           <a:p>
             <a:fld id="{C380F8D9-54E2-483C-B751-E697F644A5F7}" type="datetime1">
               <a:rPr lang="en-GB" smtClean="0"/>
-              <a:t>14/09/2023</a:t>
+              <a:t>15/09/2023</a:t>
             </a:fld>
             <a:endParaRPr lang="en-GB"/>
           </a:p>
@@ -961,7 +961,7 @@
           <a:p>
             <a:fld id="{EF67DFDD-2DA2-4BD5-8392-D432C9999840}" type="datetime1">
               <a:rPr lang="en-GB" smtClean="0"/>
-              <a:t>14/09/2023</a:t>
+              <a:t>15/09/2023</a:t>
             </a:fld>
             <a:endParaRPr lang="en-GB"/>
           </a:p>
@@ -1141,7 +1141,7 @@
           <a:p>
             <a:fld id="{E8525A63-1CCE-457A-85A3-92C22659BC15}" type="datetime1">
               <a:rPr lang="en-GB" smtClean="0"/>
-              <a:t>14/09/2023</a:t>
+              <a:t>15/09/2023</a:t>
             </a:fld>
             <a:endParaRPr lang="en-GB"/>
           </a:p>
@@ -1311,7 +1311,7 @@
           <a:p>
             <a:fld id="{5BD88837-EF32-4398-938F-606E6BB870F9}" type="datetime1">
               <a:rPr lang="en-GB" smtClean="0"/>
-              <a:t>14/09/2023</a:t>
+              <a:t>15/09/2023</a:t>
             </a:fld>
             <a:endParaRPr lang="en-GB"/>
           </a:p>
@@ -1557,7 +1557,7 @@
           <a:p>
             <a:fld id="{D47FDF64-93D8-4AB1-84FA-03B10BEF7F4B}" type="datetime1">
               <a:rPr lang="en-GB" smtClean="0"/>
-              <a:t>14/09/2023</a:t>
+              <a:t>15/09/2023</a:t>
             </a:fld>
             <a:endParaRPr lang="en-GB"/>
           </a:p>
@@ -1789,7 +1789,7 @@
           <a:p>
             <a:fld id="{39ECFDDF-ABA1-429B-B758-D5D00E011C9E}" type="datetime1">
               <a:rPr lang="en-GB" smtClean="0"/>
-              <a:t>14/09/2023</a:t>
+              <a:t>15/09/2023</a:t>
             </a:fld>
             <a:endParaRPr lang="en-GB"/>
           </a:p>
@@ -2156,7 +2156,7 @@
           <a:p>
             <a:fld id="{2CC5B4AF-524D-41D3-896A-78361DD9D7A9}" type="datetime1">
               <a:rPr lang="en-GB" smtClean="0"/>
-              <a:t>14/09/2023</a:t>
+              <a:t>15/09/2023</a:t>
             </a:fld>
             <a:endParaRPr lang="en-GB"/>
           </a:p>
@@ -2274,7 +2274,7 @@
           <a:p>
             <a:fld id="{52438B6B-9485-4429-9D0E-BE1EB4391D2A}" type="datetime1">
               <a:rPr lang="en-GB" smtClean="0"/>
-              <a:t>14/09/2023</a:t>
+              <a:t>15/09/2023</a:t>
             </a:fld>
             <a:endParaRPr lang="en-GB"/>
           </a:p>
@@ -2369,7 +2369,7 @@
           <a:p>
             <a:fld id="{80F6789A-43CD-42D0-8185-59106CD38616}" type="datetime1">
               <a:rPr lang="en-GB" smtClean="0"/>
-              <a:t>14/09/2023</a:t>
+              <a:t>15/09/2023</a:t>
             </a:fld>
             <a:endParaRPr lang="en-GB"/>
           </a:p>
@@ -2646,7 +2646,7 @@
           <a:p>
             <a:fld id="{946DD8FF-F4B4-48E5-BAA7-CCB6C6B4EB4B}" type="datetime1">
               <a:rPr lang="en-GB" smtClean="0"/>
-              <a:t>14/09/2023</a:t>
+              <a:t>15/09/2023</a:t>
             </a:fld>
             <a:endParaRPr lang="en-GB"/>
           </a:p>
@@ -2899,7 +2899,7 @@
           <a:p>
             <a:fld id="{E4BEEC3A-1E9C-421B-8149-57F82837290A}" type="datetime1">
               <a:rPr lang="en-GB" smtClean="0"/>
-              <a:t>14/09/2023</a:t>
+              <a:t>15/09/2023</a:t>
             </a:fld>
             <a:endParaRPr lang="en-GB"/>
           </a:p>
@@ -3112,7 +3112,7 @@
           <a:p>
             <a:fld id="{C8739236-59CA-4713-A425-88D2DD0382AF}" type="datetime1">
               <a:rPr lang="en-GB" smtClean="0"/>
-              <a:t>14/09/2023</a:t>
+              <a:t>15/09/2023</a:t>
             </a:fld>
             <a:endParaRPr lang="en-GB"/>
           </a:p>
@@ -7443,7 +7443,6 @@
           </a:bodyPr>
           <a:lstStyle/>
           <a:p>
-            <a:pPr/>
             <a:r>
               <a:rPr lang="fr-FR" sz="1600" dirty="0"/>
               <a:t>µ</a:t>
@@ -9282,7 +9281,6 @@
           </a:bodyPr>
           <a:lstStyle/>
           <a:p>
-            <a:pPr/>
             <a:r>
               <a:rPr lang="fr-FR" sz="1600" dirty="0" smtClean="0"/>
               <a:t>µ</a:t>
@@ -9322,7 +9320,6 @@
           </a:bodyPr>
           <a:lstStyle/>
           <a:p>
-            <a:pPr/>
             <a:r>
               <a:rPr lang="fr-FR" sz="1600" dirty="0" smtClean="0"/>
               <a:t>µ</a:t>
@@ -15617,7 +15614,7 @@
         </p:nvSpPr>
         <p:spPr>
           <a:xfrm>
-            <a:off x="6619875" y="4575533"/>
+            <a:off x="6619875" y="3984409"/>
             <a:ext cx="4781550" cy="1200329"/>
           </a:xfrm>
           <a:prstGeom prst="rect">
@@ -15690,7 +15687,7 @@
         </p:nvSpPr>
         <p:spPr>
           <a:xfrm>
-            <a:off x="6619875" y="5458691"/>
+            <a:off x="6619875" y="4867567"/>
             <a:ext cx="236105" cy="194997"/>
           </a:xfrm>
           <a:prstGeom prst="triangle">
@@ -16519,8 +16516,8 @@
           </a:p>
         </p:txBody>
       </p:sp>
-      <mc:AlternateContent xmlns:mc="http://schemas.openxmlformats.org/markup-compatibility/2006">
-        <mc:Choice xmlns:a14="http://schemas.microsoft.com/office/drawing/2010/main" Requires="a14">
+      <mc:AlternateContent xmlns:mc="http://schemas.openxmlformats.org/markup-compatibility/2006" xmlns:a14="http://schemas.microsoft.com/office/drawing/2010/main">
+        <mc:Choice Requires="a14">
           <p:sp>
             <p:nvSpPr>
               <p:cNvPr id="4" name="Rectangle 3"/>
@@ -16552,13 +16549,8 @@
                 </a:r>
                 <a:r>
                   <a:rPr lang="fr-FR" dirty="0" smtClean="0"/>
-                  <a:t> = 50.000 = 200 m² à </a:t>
+                  <a:t> = 50.000 = 200 m² à ressemer</a:t>
                 </a:r>
-                <a:r>
-                  <a:rPr lang="fr-FR" dirty="0" smtClean="0"/>
-                  <a:t>ressemer</a:t>
-                </a:r>
-                <a:endParaRPr lang="fr-FR" dirty="0" smtClean="0"/>
               </a:p>
               <a:p>
                 <a:pPr marL="285750" indent="-285750">
@@ -16671,7 +16663,7 @@
             </p:txBody>
           </p:sp>
         </mc:Choice>
-        <mc:Fallback>
+        <mc:Fallback xmlns="">
           <p:sp>
             <p:nvSpPr>
               <p:cNvPr id="4" name="Rectangle 3"/>
@@ -25617,13 +25609,8 @@
             </a:r>
             <a:r>
               <a:rPr lang="fr-FR" dirty="0" smtClean="0"/>
-              <a:t>aux de </a:t>
-            </a:r>
-            <a:r>
-              <a:rPr lang="fr-FR" dirty="0" smtClean="0"/>
-              <a:t>protéines</a:t>
-            </a:r>
-            <a:endParaRPr lang="fr-FR" dirty="0" smtClean="0"/>
+              <a:t>aux de protéines</a:t>
+            </a:r>
           </a:p>
           <a:p>
             <a:pPr lvl="1">
@@ -25632,11 +25619,7 @@
             </a:pPr>
             <a:r>
               <a:rPr lang="fr-FR" dirty="0" smtClean="0"/>
-              <a:t>Prédiction phénomique sur spectre du </a:t>
-            </a:r>
-            <a:r>
-              <a:rPr lang="fr-FR" dirty="0" smtClean="0"/>
-              <a:t>grain (Rincent et al., 2018)</a:t>
+              <a:t>Prédiction phénomique sur spectre du grain (Rincent et al., 2018)</a:t>
             </a:r>
           </a:p>
           <a:p>
@@ -25651,7 +25634,6 @@
               <a:rPr lang="fr-FR" dirty="0" smtClean="0"/>
               <a:t>Prédiction phénomique du taux de protéine des grains récoltés à partir des spectres des grains semés :</a:t>
             </a:r>
-            <a:endParaRPr lang="fr-FR" dirty="0" smtClean="0"/>
           </a:p>
           <a:p>
             <a:endParaRPr lang="fr-FR" dirty="0" smtClean="0"/>
@@ -26348,7 +26330,7 @@
         </p:spPr>
         <p:txBody>
           <a:bodyPr>
-            <a:normAutofit fontScale="92500"/>
+            <a:normAutofit lnSpcReduction="10000"/>
           </a:bodyPr>
           <a:lstStyle/>
           <a:p>
@@ -26373,8 +26355,13 @@
             </a:pPr>
             <a:r>
               <a:rPr lang="fr-FR" dirty="0" smtClean="0"/>
-              <a:t>héritabilité de la hauteur à 0,1 malgré un gène de nanisme dans la population)</a:t>
-            </a:r>
+              <a:t>héritabilité de la hauteur à 0,1 malgré un gène de nanisme dans la </a:t>
+            </a:r>
+            <a:r>
+              <a:rPr lang="fr-FR" dirty="0" smtClean="0"/>
+              <a:t>population</a:t>
+            </a:r>
+            <a:endParaRPr lang="fr-FR" dirty="0" smtClean="0"/>
           </a:p>
           <a:p>
             <a:endParaRPr lang="fr-FR" dirty="0" smtClean="0"/>
@@ -26402,7 +26389,6 @@
               <a:rPr lang="fr-FR" dirty="0" smtClean="0"/>
               <a:t>dispositif peut-être puissant mais nécessite une grande minutie et beaucoup de travail</a:t>
             </a:r>
-            <a:endParaRPr lang="fr-FR" dirty="0" smtClean="0"/>
           </a:p>
         </p:txBody>
       </p:sp>
@@ -27448,15 +27434,7 @@
           <a:p>
             <a:r>
               <a:rPr lang="fr-FR" dirty="0" smtClean="0"/>
-              <a:t>La sélection massale sur </a:t>
-            </a:r>
-            <a:r>
-              <a:rPr lang="fr-FR" dirty="0" smtClean="0"/>
-              <a:t>la taille du grain </a:t>
-            </a:r>
-            <a:r>
-              <a:rPr lang="fr-FR" dirty="0" smtClean="0"/>
-              <a:t>peut être efficace pour améliorer ce trait</a:t>
+              <a:t>La sélection massale sur la taille du grain peut être efficace pour améliorer ce trait</a:t>
             </a:r>
           </a:p>
         </p:txBody>
